--- a/Poster.pptx
+++ b/Poster.pptx
@@ -6405,7 +6405,11 @@
           <a:lstStyle/>
           <a:p>
             <a:pPr algn="ctr"/>
-            <a:endParaRPr lang="en-IN"/>
+            <a:endParaRPr lang="en-IN" sz="2400" dirty="0">
+              <a:solidFill>
+                <a:schemeClr val="tx1"/>
+              </a:solidFill>
+            </a:endParaRPr>
           </a:p>
         </p:txBody>
       </p:sp>
@@ -6488,117 +6492,6 @@
           </a:p>
         </p:txBody>
       </p:sp>
-      <p:sp>
-        <p:nvSpPr>
-          <p:cNvPr id="39" name="Rectangle: Rounded Corners 38">
-            <a:extLst>
-              <a:ext uri="{FF2B5EF4-FFF2-40B4-BE49-F238E27FC236}">
-                <a16:creationId xmlns:a16="http://schemas.microsoft.com/office/drawing/2014/main" id="{3F0CDBD9-A3BB-E60B-F00D-9C92218FC27A}"/>
-              </a:ext>
-            </a:extLst>
-          </p:cNvPr>
-          <p:cNvSpPr/>
-          <p:nvPr/>
-        </p:nvSpPr>
-        <p:spPr>
-          <a:xfrm>
-            <a:off x="22805544" y="33727693"/>
-            <a:ext cx="3483456" cy="2283157"/>
-          </a:xfrm>
-          <a:prstGeom prst="roundRect">
-            <a:avLst/>
-          </a:prstGeom>
-          <a:solidFill>
-            <a:schemeClr val="accent6">
-              <a:lumMod val="20000"/>
-              <a:lumOff val="80000"/>
-            </a:schemeClr>
-          </a:solidFill>
-        </p:spPr>
-        <p:style>
-          <a:lnRef idx="2">
-            <a:schemeClr val="accent1">
-              <a:shade val="15000"/>
-            </a:schemeClr>
-          </a:lnRef>
-          <a:fillRef idx="1">
-            <a:schemeClr val="accent1"/>
-          </a:fillRef>
-          <a:effectRef idx="0">
-            <a:schemeClr val="accent1"/>
-          </a:effectRef>
-          <a:fontRef idx="minor">
-            <a:schemeClr val="lt1"/>
-          </a:fontRef>
-        </p:style>
-        <p:txBody>
-          <a:bodyPr rtlCol="0" anchor="ctr"/>
-          <a:lstStyle/>
-          <a:p>
-            <a:pPr algn="ctr"/>
-            <a:r>
-              <a:rPr lang="en-US" sz="5500" dirty="0">
-                <a:solidFill>
-                  <a:schemeClr val="tx1"/>
-                </a:solidFill>
-              </a:rPr>
-              <a:t>insert your QR code here</a:t>
-            </a:r>
-            <a:endParaRPr lang="en-IN" sz="5500" dirty="0">
-              <a:solidFill>
-                <a:schemeClr val="tx1"/>
-              </a:solidFill>
-            </a:endParaRPr>
-          </a:p>
-        </p:txBody>
-      </p:sp>
-      <p:pic>
-        <p:nvPicPr>
-          <p:cNvPr id="1026" name="Picture 2" descr="News.mscrm-addons.com Blog | The ...">
-            <a:extLst>
-              <a:ext uri="{FF2B5EF4-FFF2-40B4-BE49-F238E27FC236}">
-                <a16:creationId xmlns:a16="http://schemas.microsoft.com/office/drawing/2014/main" id="{D301EA1F-7C81-A1A9-D74E-32E3E2663F7D}"/>
-              </a:ext>
-            </a:extLst>
-          </p:cNvPr>
-          <p:cNvPicPr>
-            <a:picLocks noChangeAspect="1" noChangeArrowheads="1"/>
-          </p:cNvPicPr>
-          <p:nvPr/>
-        </p:nvPicPr>
-        <p:blipFill>
-          <a:blip r:embed="rId4">
-            <a:extLst>
-              <a:ext uri="{28A0092B-C50C-407E-A947-70E740481C1C}">
-                <a14:useLocalDpi xmlns:a14="http://schemas.microsoft.com/office/drawing/2010/main" val="0"/>
-              </a:ext>
-            </a:extLst>
-          </a:blip>
-          <a:srcRect/>
-          <a:stretch>
-            <a:fillRect/>
-          </a:stretch>
-        </p:blipFill>
-        <p:spPr bwMode="auto">
-          <a:xfrm>
-            <a:off x="26508075" y="33591745"/>
-            <a:ext cx="2283157" cy="2283157"/>
-          </a:xfrm>
-          <a:prstGeom prst="rect">
-            <a:avLst/>
-          </a:prstGeom>
-          <a:noFill/>
-          <a:extLst>
-            <a:ext uri="{909E8E84-426E-40DD-AFC4-6F175D3DCCD1}">
-              <a14:hiddenFill xmlns:a14="http://schemas.microsoft.com/office/drawing/2010/main">
-                <a:solidFill>
-                  <a:srgbClr val="FFFFFF"/>
-                </a:solidFill>
-              </a14:hiddenFill>
-            </a:ext>
-          </a:extLst>
-        </p:spPr>
-      </p:pic>
       <p:sp>
         <p:nvSpPr>
           <p:cNvPr id="43" name="object 15">
@@ -6765,7 +6658,7 @@
           <p:nvPr/>
         </p:nvPicPr>
         <p:blipFill>
-          <a:blip r:embed="rId5" cstate="print">
+          <a:blip r:embed="rId4" cstate="print">
             <a:extLst>
               <a:ext uri="{28A0092B-C50C-407E-A947-70E740481C1C}">
                 <a14:useLocalDpi xmlns:a14="http://schemas.microsoft.com/office/drawing/2010/main" val="0"/>
@@ -6801,7 +6694,7 @@
           <p:nvPr/>
         </p:nvPicPr>
         <p:blipFill>
-          <a:blip r:embed="rId4">
+          <a:blip r:embed="rId5">
             <a:extLst>
               <a:ext uri="{28A0092B-C50C-407E-A947-70E740481C1C}">
                 <a14:useLocalDpi xmlns:a14="http://schemas.microsoft.com/office/drawing/2010/main" val="0"/>
@@ -6815,7 +6708,7 @@
         </p:blipFill>
         <p:spPr bwMode="auto">
           <a:xfrm>
-            <a:off x="29098875" y="33661018"/>
+            <a:off x="29098875" y="33575293"/>
             <a:ext cx="2283157" cy="2283157"/>
           </a:xfrm>
           <a:prstGeom prst="rect">
@@ -6893,6 +6786,115 @@
           </a:prstGeom>
         </p:spPr>
       </p:pic>
+      <p:sp>
+        <p:nvSpPr>
+          <p:cNvPr id="21" name="TextBox 20">
+            <a:extLst>
+              <a:ext uri="{FF2B5EF4-FFF2-40B4-BE49-F238E27FC236}">
+                <a16:creationId xmlns:a16="http://schemas.microsoft.com/office/drawing/2014/main" id="{88A1F444-F60B-4796-9D00-C6CE96ABEFB5}"/>
+              </a:ext>
+            </a:extLst>
+          </p:cNvPr>
+          <p:cNvSpPr txBox="1"/>
+          <p:nvPr/>
+        </p:nvSpPr>
+        <p:spPr>
+          <a:xfrm>
+            <a:off x="14616786" y="34558585"/>
+            <a:ext cx="11594777" cy="461665"/>
+          </a:xfrm>
+          <a:prstGeom prst="rect">
+            <a:avLst/>
+          </a:prstGeom>
+          <a:noFill/>
+        </p:spPr>
+        <p:txBody>
+          <a:bodyPr wrap="none" rtlCol="0">
+            <a:spAutoFit/>
+          </a:bodyPr>
+          <a:lstStyle/>
+          <a:p>
+            <a:r>
+              <a:rPr lang="en-US" sz="2400" dirty="0">
+                <a:hlinkClick r:id="rId8"/>
+              </a:rPr>
+              <a:t>https://github.com/KJ-Sagar/Capstone-Project/tree/main?tab=readme-ov-file#introduction</a:t>
+            </a:r>
+            <a:endParaRPr lang="en-US" sz="2400" dirty="0"/>
+          </a:p>
+        </p:txBody>
+      </p:sp>
+      <p:pic>
+        <p:nvPicPr>
+          <p:cNvPr id="25" name="Picture 24">
+            <a:extLst>
+              <a:ext uri="{FF2B5EF4-FFF2-40B4-BE49-F238E27FC236}">
+                <a16:creationId xmlns:a16="http://schemas.microsoft.com/office/drawing/2014/main" id="{90CB398B-943A-456A-9283-B74AAE0ACAFF}"/>
+              </a:ext>
+            </a:extLst>
+          </p:cNvPr>
+          <p:cNvPicPr>
+            <a:picLocks noChangeAspect="1"/>
+          </p:cNvPicPr>
+          <p:nvPr/>
+        </p:nvPicPr>
+        <p:blipFill>
+          <a:blip r:embed="rId9"/>
+          <a:stretch>
+            <a:fillRect/>
+          </a:stretch>
+        </p:blipFill>
+        <p:spPr>
+          <a:xfrm>
+            <a:off x="26136599" y="33575293"/>
+            <a:ext cx="2283157" cy="2283157"/>
+          </a:xfrm>
+          <a:prstGeom prst="rect">
+            <a:avLst/>
+          </a:prstGeom>
+        </p:spPr>
+      </p:pic>
+      <p:sp>
+        <p:nvSpPr>
+          <p:cNvPr id="47" name="TextBox 46">
+            <a:extLst>
+              <a:ext uri="{FF2B5EF4-FFF2-40B4-BE49-F238E27FC236}">
+                <a16:creationId xmlns:a16="http://schemas.microsoft.com/office/drawing/2014/main" id="{5A970CD2-AB3D-4A68-9123-6F347A2A5604}"/>
+              </a:ext>
+            </a:extLst>
+          </p:cNvPr>
+          <p:cNvSpPr txBox="1"/>
+          <p:nvPr/>
+        </p:nvSpPr>
+        <p:spPr>
+          <a:xfrm>
+            <a:off x="26670000" y="35782250"/>
+            <a:ext cx="1159292" cy="369332"/>
+          </a:xfrm>
+          <a:prstGeom prst="rect">
+            <a:avLst/>
+          </a:prstGeom>
+          <a:noFill/>
+        </p:spPr>
+        <p:txBody>
+          <a:bodyPr wrap="none" rtlCol="0">
+            <a:spAutoFit/>
+          </a:bodyPr>
+          <a:lstStyle/>
+          <a:p>
+            <a:r>
+              <a:rPr lang="en-US" dirty="0">
+                <a:hlinkClick r:id="rId8"/>
+              </a:rPr>
+              <a:t>Github </a:t>
+            </a:r>
+            <a:r>
+              <a:rPr lang="en-US" dirty="0"/>
+              <a:t>QR</a:t>
+            </a:r>
+          </a:p>
+        </p:txBody>
+      </p:sp>
     </p:spTree>
     <p:extLst>
       <p:ext uri="{BB962C8B-B14F-4D97-AF65-F5344CB8AC3E}">
